--- a/notes/03-floats-cont.pptx
+++ b/notes/03-floats-cont.pptx
@@ -224,7 +224,7 @@
           <a:p>
             <a:fld id="{D21DBEA0-1188-45AF-8F1F-3D80AA75320D}" type="datetimeFigureOut">
               <a:rPr lang="en-US" smtClean="0"/>
-              <a:t>9/20/2020</a:t>
+              <a:t>9/23/2020</a:t>
             </a:fld>
             <a:endParaRPr lang="en-US"/>
           </a:p>
@@ -1331,7 +1331,7 @@
           <a:p>
             <a:fld id="{E82F7EF2-3E36-4E16-9B00-4C80AEAC65ED}" type="datetimeFigureOut">
               <a:rPr lang="en-US" smtClean="0"/>
-              <a:t>9/20/2020</a:t>
+              <a:t>9/23/2020</a:t>
             </a:fld>
             <a:endParaRPr lang="en-US"/>
           </a:p>
@@ -1529,7 +1529,7 @@
           <a:p>
             <a:fld id="{E82F7EF2-3E36-4E16-9B00-4C80AEAC65ED}" type="datetimeFigureOut">
               <a:rPr lang="en-US" smtClean="0"/>
-              <a:t>9/20/2020</a:t>
+              <a:t>9/23/2020</a:t>
             </a:fld>
             <a:endParaRPr lang="en-US"/>
           </a:p>
@@ -1737,7 +1737,7 @@
           <a:p>
             <a:fld id="{E82F7EF2-3E36-4E16-9B00-4C80AEAC65ED}" type="datetimeFigureOut">
               <a:rPr lang="en-US" smtClean="0"/>
-              <a:t>9/20/2020</a:t>
+              <a:t>9/23/2020</a:t>
             </a:fld>
             <a:endParaRPr lang="en-US"/>
           </a:p>
@@ -1947,7 +1947,7 @@
           <a:p>
             <a:fld id="{E82F7EF2-3E36-4E16-9B00-4C80AEAC65ED}" type="datetimeFigureOut">
               <a:rPr lang="en-US" smtClean="0"/>
-              <a:t>9/20/2020</a:t>
+              <a:t>9/23/2020</a:t>
             </a:fld>
             <a:endParaRPr lang="en-US"/>
           </a:p>
@@ -2224,7 +2224,7 @@
           <a:p>
             <a:fld id="{E82F7EF2-3E36-4E16-9B00-4C80AEAC65ED}" type="datetimeFigureOut">
               <a:rPr lang="en-US" smtClean="0"/>
-              <a:t>9/20/2020</a:t>
+              <a:t>9/23/2020</a:t>
             </a:fld>
             <a:endParaRPr lang="en-US"/>
           </a:p>
@@ -2495,7 +2495,7 @@
           <a:p>
             <a:fld id="{E82F7EF2-3E36-4E16-9B00-4C80AEAC65ED}" type="datetimeFigureOut">
               <a:rPr lang="en-US" smtClean="0"/>
-              <a:t>9/20/2020</a:t>
+              <a:t>9/23/2020</a:t>
             </a:fld>
             <a:endParaRPr lang="en-US"/>
           </a:p>
@@ -2907,7 +2907,7 @@
           <a:p>
             <a:fld id="{E82F7EF2-3E36-4E16-9B00-4C80AEAC65ED}" type="datetimeFigureOut">
               <a:rPr lang="en-US" smtClean="0"/>
-              <a:t>9/20/2020</a:t>
+              <a:t>9/23/2020</a:t>
             </a:fld>
             <a:endParaRPr lang="en-US"/>
           </a:p>
@@ -3048,7 +3048,7 @@
           <a:p>
             <a:fld id="{E82F7EF2-3E36-4E16-9B00-4C80AEAC65ED}" type="datetimeFigureOut">
               <a:rPr lang="en-US" smtClean="0"/>
-              <a:t>9/20/2020</a:t>
+              <a:t>9/23/2020</a:t>
             </a:fld>
             <a:endParaRPr lang="en-US"/>
           </a:p>
@@ -3161,7 +3161,7 @@
           <a:p>
             <a:fld id="{E82F7EF2-3E36-4E16-9B00-4C80AEAC65ED}" type="datetimeFigureOut">
               <a:rPr lang="en-US" smtClean="0"/>
-              <a:t>9/20/2020</a:t>
+              <a:t>9/23/2020</a:t>
             </a:fld>
             <a:endParaRPr lang="en-US"/>
           </a:p>
@@ -3472,7 +3472,7 @@
           <a:p>
             <a:fld id="{E82F7EF2-3E36-4E16-9B00-4C80AEAC65ED}" type="datetimeFigureOut">
               <a:rPr lang="en-US" smtClean="0"/>
-              <a:t>9/20/2020</a:t>
+              <a:t>9/23/2020</a:t>
             </a:fld>
             <a:endParaRPr lang="en-US"/>
           </a:p>
@@ -3760,7 +3760,7 @@
           <a:p>
             <a:fld id="{E82F7EF2-3E36-4E16-9B00-4C80AEAC65ED}" type="datetimeFigureOut">
               <a:rPr lang="en-US" smtClean="0"/>
-              <a:t>9/20/2020</a:t>
+              <a:t>9/23/2020</a:t>
             </a:fld>
             <a:endParaRPr lang="en-US"/>
           </a:p>
@@ -4001,7 +4001,7 @@
           <a:p>
             <a:fld id="{E82F7EF2-3E36-4E16-9B00-4C80AEAC65ED}" type="datetimeFigureOut">
               <a:rPr lang="en-US" smtClean="0"/>
-              <a:t>9/20/2020</a:t>
+              <a:t>9/23/2020</a:t>
             </a:fld>
             <a:endParaRPr lang="en-US"/>
           </a:p>
@@ -11642,7 +11642,7 @@
           <a:graphicData uri="http://schemas.openxmlformats.org/presentationml/2006/ole">
             <mc:AlternateContent xmlns:mc="http://schemas.openxmlformats.org/markup-compatibility/2006">
               <mc:Choice xmlns:v="urn:schemas-microsoft-com:vml" Requires="v">
-                <p:oleObj spid="_x0000_s1118" name="Worksheet" r:id="rId4" imgW="8334632" imgH="1095839" progId="Excel.Sheet.8">
+                <p:oleObj spid="_x0000_s1120" name="Worksheet" r:id="rId4" imgW="8334632" imgH="1095839" progId="Excel.Sheet.8">
                   <p:embed/>
                 </p:oleObj>
               </mc:Choice>
@@ -11685,14 +11685,14 @@
                       <a:effectLst/>
                       <a:extLst>
                         <a:ext uri="{909E8E84-426E-40dd-AFC4-6F175D3DCCD1}">
-                          <a14:hiddenFill xmlns="" xmlns:a14="http://schemas.microsoft.com/office/drawing/2010/main">
+                          <a14:hiddenFill xmlns:a14="http://schemas.microsoft.com/office/drawing/2010/main" xmlns="">
                             <a:solidFill>
                               <a:schemeClr val="bg1"/>
                             </a:solidFill>
                           </a14:hiddenFill>
                         </a:ext>
                         <a:ext uri="{91240B29-F687-4f45-9708-019B960494DF}">
-                          <a14:hiddenLine xmlns="" xmlns:a14="http://schemas.microsoft.com/office/drawing/2010/main" w="25400">
+                          <a14:hiddenLine xmlns:a14="http://schemas.microsoft.com/office/drawing/2010/main" xmlns="" w="25400">
                             <a:solidFill>
                               <a:schemeClr val="tx1"/>
                             </a:solidFill>
@@ -11702,7 +11702,7 @@
                           </a14:hiddenLine>
                         </a:ext>
                         <a:ext uri="{AF507438-7753-43e0-B8FC-AC1667EBCBE1}">
-                          <a14:hiddenEffects xmlns="" xmlns:a14="http://schemas.microsoft.com/office/drawing/2010/main">
+                          <a14:hiddenEffects xmlns:a14="http://schemas.microsoft.com/office/drawing/2010/main" xmlns="">
                             <a:effectLst>
                               <a:outerShdw blurRad="63500" dist="38099" dir="2700000" algn="ctr" rotWithShape="0">
                                 <a:schemeClr val="bg2">
@@ -12691,7 +12691,7 @@
             <a:graphicData uri="http://schemas.openxmlformats.org/presentationml/2006/ole">
               <mc:AlternateContent xmlns:mc="http://schemas.openxmlformats.org/markup-compatibility/2006">
                 <mc:Choice xmlns:v="urn:schemas-microsoft-com:vml" Requires="v">
-                  <p:oleObj spid="_x0000_s2142" name="工作表" r:id="rId3" imgW="8334632" imgH="1105208" progId="Excel.Sheet.8">
+                  <p:oleObj spid="_x0000_s2144" name="工作表" r:id="rId3" imgW="8334632" imgH="1105208" progId="Excel.Sheet.8">
                     <p:embed/>
                   </p:oleObj>
                 </mc:Choice>
@@ -12734,14 +12734,14 @@
                         <a:effectLst/>
                         <a:extLst>
                           <a:ext uri="{909E8E84-426E-40dd-AFC4-6F175D3DCCD1}">
-                            <a14:hiddenFill xmlns="" xmlns:a14="http://schemas.microsoft.com/office/drawing/2010/main">
+                            <a14:hiddenFill xmlns:a14="http://schemas.microsoft.com/office/drawing/2010/main" xmlns="">
                               <a:solidFill>
                                 <a:schemeClr val="bg1"/>
                               </a:solidFill>
                             </a14:hiddenFill>
                           </a:ext>
                           <a:ext uri="{91240B29-F687-4f45-9708-019B960494DF}">
-                            <a14:hiddenLine xmlns="" xmlns:a14="http://schemas.microsoft.com/office/drawing/2010/main" w="25400">
+                            <a14:hiddenLine xmlns:a14="http://schemas.microsoft.com/office/drawing/2010/main" xmlns="" w="25400">
                               <a:solidFill>
                                 <a:schemeClr val="tx1"/>
                               </a:solidFill>
@@ -12751,7 +12751,7 @@
                             </a14:hiddenLine>
                           </a:ext>
                           <a:ext uri="{AF507438-7753-43e0-B8FC-AC1667EBCBE1}">
-                            <a14:hiddenEffects xmlns="" xmlns:a14="http://schemas.microsoft.com/office/drawing/2010/main">
+                            <a14:hiddenEffects xmlns:a14="http://schemas.microsoft.com/office/drawing/2010/main" xmlns="">
                               <a:effectLst>
                                 <a:outerShdw blurRad="63500" dist="38099" dir="2700000" algn="ctr" rotWithShape="0">
                                   <a:schemeClr val="bg2">
@@ -13984,7 +13984,7 @@
             <a:graphicData uri="http://schemas.openxmlformats.org/presentationml/2006/ole">
               <mc:AlternateContent xmlns:mc="http://schemas.openxmlformats.org/markup-compatibility/2006">
                 <mc:Choice xmlns:v="urn:schemas-microsoft-com:vml" Requires="v">
-                  <p:oleObj spid="_x0000_s3166" name="工作表" r:id="rId4" imgW="8334632" imgH="1105208" progId="Excel.Sheet.8">
+                  <p:oleObj spid="_x0000_s3168" name="工作表" r:id="rId4" imgW="8334632" imgH="1105208" progId="Excel.Sheet.8">
                     <p:embed/>
                   </p:oleObj>
                 </mc:Choice>
@@ -14027,14 +14027,14 @@
                         <a:effectLst/>
                         <a:extLst>
                           <a:ext uri="{909E8E84-426E-40dd-AFC4-6F175D3DCCD1}">
-                            <a14:hiddenFill xmlns="" xmlns:a14="http://schemas.microsoft.com/office/drawing/2010/main">
+                            <a14:hiddenFill xmlns:a14="http://schemas.microsoft.com/office/drawing/2010/main" xmlns="">
                               <a:solidFill>
                                 <a:schemeClr val="bg1"/>
                               </a:solidFill>
                             </a14:hiddenFill>
                           </a:ext>
                           <a:ext uri="{91240B29-F687-4f45-9708-019B960494DF}">
-                            <a14:hiddenLine xmlns="" xmlns:a14="http://schemas.microsoft.com/office/drawing/2010/main" w="25400">
+                            <a14:hiddenLine xmlns:a14="http://schemas.microsoft.com/office/drawing/2010/main" xmlns="" w="25400">
                               <a:solidFill>
                                 <a:schemeClr val="tx1"/>
                               </a:solidFill>
@@ -14044,7 +14044,7 @@
                             </a14:hiddenLine>
                           </a:ext>
                           <a:ext uri="{AF507438-7753-43e0-B8FC-AC1667EBCBE1}">
-                            <a14:hiddenEffects xmlns="" xmlns:a14="http://schemas.microsoft.com/office/drawing/2010/main">
+                            <a14:hiddenEffects xmlns:a14="http://schemas.microsoft.com/office/drawing/2010/main" xmlns="">
                               <a:effectLst>
                                 <a:outerShdw blurRad="63500" dist="38099" dir="2700000" algn="ctr" rotWithShape="0">
                                   <a:schemeClr val="bg2">
@@ -15419,7 +15419,7 @@
             <a:graphicData uri="http://schemas.openxmlformats.org/presentationml/2006/ole">
               <mc:AlternateContent xmlns:mc="http://schemas.openxmlformats.org/markup-compatibility/2006">
                 <mc:Choice xmlns:v="urn:schemas-microsoft-com:vml" Requires="v">
-                  <p:oleObj spid="_x0000_s4190" name="工作表" r:id="rId4" imgW="8334632" imgH="1105208" progId="Excel.Sheet.8">
+                  <p:oleObj spid="_x0000_s4192" name="工作表" r:id="rId4" imgW="8334632" imgH="1105208" progId="Excel.Sheet.8">
                     <p:embed/>
                   </p:oleObj>
                 </mc:Choice>
@@ -15462,14 +15462,14 @@
                         <a:effectLst/>
                         <a:extLst>
                           <a:ext uri="{909E8E84-426E-40dd-AFC4-6F175D3DCCD1}">
-                            <a14:hiddenFill xmlns="" xmlns:a14="http://schemas.microsoft.com/office/drawing/2010/main">
+                            <a14:hiddenFill xmlns:a14="http://schemas.microsoft.com/office/drawing/2010/main" xmlns="">
                               <a:solidFill>
                                 <a:schemeClr val="bg1"/>
                               </a:solidFill>
                             </a14:hiddenFill>
                           </a:ext>
                           <a:ext uri="{91240B29-F687-4f45-9708-019B960494DF}">
-                            <a14:hiddenLine xmlns="" xmlns:a14="http://schemas.microsoft.com/office/drawing/2010/main" w="25400">
+                            <a14:hiddenLine xmlns:a14="http://schemas.microsoft.com/office/drawing/2010/main" xmlns="" w="25400">
                               <a:solidFill>
                                 <a:schemeClr val="tx1"/>
                               </a:solidFill>
@@ -15479,7 +15479,7 @@
                             </a14:hiddenLine>
                           </a:ext>
                           <a:ext uri="{AF507438-7753-43e0-B8FC-AC1667EBCBE1}">
-                            <a14:hiddenEffects xmlns="" xmlns:a14="http://schemas.microsoft.com/office/drawing/2010/main">
+                            <a14:hiddenEffects xmlns:a14="http://schemas.microsoft.com/office/drawing/2010/main" xmlns="">
                               <a:effectLst>
                                 <a:outerShdw blurRad="63500" dist="38099" dir="2700000" algn="ctr" rotWithShape="0">
                                   <a:schemeClr val="bg2">
@@ -19264,9 +19264,12 @@
 </file>
 
 <file path=customXml/item1.xml><?xml version="1.0" encoding="utf-8"?>
-<p:properties xmlns:p="http://schemas.microsoft.com/office/2006/metadata/properties" xmlns:xsi="http://www.w3.org/2001/XMLSchema-instance" xmlns:pc="http://schemas.microsoft.com/office/infopath/2007/PartnerControls">
-  <documentManagement/>
-</p:properties>
+<?mso-contentType ?>
+<FormTemplates xmlns="http://schemas.microsoft.com/sharepoint/v3/contenttype/forms">
+  <Display>DocumentLibraryForm</Display>
+  <Edit>DocumentLibraryForm</Edit>
+  <New>DocumentLibraryForm</New>
+</FormTemplates>
 </file>
 
 <file path=customXml/item2.xml><?xml version="1.0" encoding="utf-8"?>
@@ -19402,26 +19405,15 @@
 </file>
 
 <file path=customXml/item3.xml><?xml version="1.0" encoding="utf-8"?>
-<?mso-contentType ?>
-<FormTemplates xmlns="http://schemas.microsoft.com/sharepoint/v3/contenttype/forms">
-  <Display>DocumentLibraryForm</Display>
-  <Edit>DocumentLibraryForm</Edit>
-  <New>DocumentLibraryForm</New>
-</FormTemplates>
+<p:properties xmlns:p="http://schemas.microsoft.com/office/2006/metadata/properties" xmlns:xsi="http://www.w3.org/2001/XMLSchema-instance" xmlns:pc="http://schemas.microsoft.com/office/infopath/2007/PartnerControls">
+  <documentManagement/>
+</p:properties>
 </file>
 
 <file path=customXml/itemProps1.xml><?xml version="1.0" encoding="utf-8"?>
-<ds:datastoreItem xmlns:ds="http://schemas.openxmlformats.org/officeDocument/2006/customXml" ds:itemID="{DC9111C0-85A8-4495-82EC-70EDD5EB4C23}">
+<ds:datastoreItem xmlns:ds="http://schemas.openxmlformats.org/officeDocument/2006/customXml" ds:itemID="{133809AF-CC72-4698-8309-4381F3E1873D}">
   <ds:schemaRefs>
-    <ds:schemaRef ds:uri="http://schemas.microsoft.com/office/2006/metadata/properties"/>
-    <ds:schemaRef ds:uri="http://schemas.microsoft.com/office/2006/documentManagement/types"/>
-    <ds:schemaRef ds:uri="http://purl.org/dc/terms/"/>
-    <ds:schemaRef ds:uri="http://purl.org/dc/elements/1.1/"/>
-    <ds:schemaRef ds:uri="http://schemas.openxmlformats.org/package/2006/metadata/core-properties"/>
-    <ds:schemaRef ds:uri="http://www.w3.org/XML/1998/namespace"/>
-    <ds:schemaRef ds:uri="http://schemas.microsoft.com/office/infopath/2007/PartnerControls"/>
-    <ds:schemaRef ds:uri="74d6482f-e53c-4fa7-ac87-951f9f66bd4c"/>
-    <ds:schemaRef ds:uri="http://purl.org/dc/dcmitype/"/>
+    <ds:schemaRef ds:uri="http://schemas.microsoft.com/sharepoint/v3/contenttype/forms"/>
   </ds:schemaRefs>
 </ds:datastoreItem>
 </file>
@@ -19445,9 +19437,17 @@
 </file>
 
 <file path=customXml/itemProps3.xml><?xml version="1.0" encoding="utf-8"?>
-<ds:datastoreItem xmlns:ds="http://schemas.openxmlformats.org/officeDocument/2006/customXml" ds:itemID="{133809AF-CC72-4698-8309-4381F3E1873D}">
+<ds:datastoreItem xmlns:ds="http://schemas.openxmlformats.org/officeDocument/2006/customXml" ds:itemID="{DC9111C0-85A8-4495-82EC-70EDD5EB4C23}">
   <ds:schemaRefs>
-    <ds:schemaRef ds:uri="http://schemas.microsoft.com/sharepoint/v3/contenttype/forms"/>
+    <ds:schemaRef ds:uri="http://www.w3.org/XML/1998/namespace"/>
+    <ds:schemaRef ds:uri="http://purl.org/dc/elements/1.1/"/>
+    <ds:schemaRef ds:uri="http://schemas.microsoft.com/office/infopath/2007/PartnerControls"/>
+    <ds:schemaRef ds:uri="http://schemas.microsoft.com/office/2006/metadata/properties"/>
+    <ds:schemaRef ds:uri="74d6482f-e53c-4fa7-ac87-951f9f66bd4c"/>
+    <ds:schemaRef ds:uri="http://schemas.microsoft.com/office/2006/documentManagement/types"/>
+    <ds:schemaRef ds:uri="http://purl.org/dc/terms/"/>
+    <ds:schemaRef ds:uri="http://schemas.openxmlformats.org/package/2006/metadata/core-properties"/>
+    <ds:schemaRef ds:uri="http://purl.org/dc/dcmitype/"/>
   </ds:schemaRefs>
 </ds:datastoreItem>
 </file>
--- a/notes/03-floats-cont.pptx
+++ b/notes/03-floats-cont.pptx
@@ -132,14 +132,6 @@
     </p:ext>
   </p:extLst>
 </p:presentation>
-</file>
-
-<file path=ppt/revisionInfo.xml><?xml version="1.0" encoding="utf-8"?>
-<p1510:revInfo xmlns:a="http://schemas.openxmlformats.org/drawingml/2006/main" xmlns:r="http://schemas.openxmlformats.org/officeDocument/2006/relationships" xmlns:p1510="http://schemas.microsoft.com/office/powerpoint/2015/10/main">
-  <p1510:revLst>
-    <p1510:client id="{FED16DDD-2BD7-4106-B2A2-4F59F1CF5FCE}" v="437" dt="2020-09-21T02:41:43.749"/>
-  </p1510:revLst>
-</p1510:revInfo>
 </file>
 
 <file path=ppt/notesMasters/notesMaster1.xml><?xml version="1.0" encoding="utf-8"?>
@@ -11642,7 +11634,7 @@
           <a:graphicData uri="http://schemas.openxmlformats.org/presentationml/2006/ole">
             <mc:AlternateContent xmlns:mc="http://schemas.openxmlformats.org/markup-compatibility/2006">
               <mc:Choice xmlns:v="urn:schemas-microsoft-com:vml" Requires="v">
-                <p:oleObj spid="_x0000_s1120" name="Worksheet" r:id="rId4" imgW="8334632" imgH="1095839" progId="Excel.Sheet.8">
+                <p:oleObj spid="_x0000_s1121" name="Worksheet" r:id="rId4" imgW="8334632" imgH="1095839" progId="Excel.Sheet.8">
                   <p:embed/>
                 </p:oleObj>
               </mc:Choice>
@@ -12691,7 +12683,7 @@
             <a:graphicData uri="http://schemas.openxmlformats.org/presentationml/2006/ole">
               <mc:AlternateContent xmlns:mc="http://schemas.openxmlformats.org/markup-compatibility/2006">
                 <mc:Choice xmlns:v="urn:schemas-microsoft-com:vml" Requires="v">
-                  <p:oleObj spid="_x0000_s2144" name="工作表" r:id="rId3" imgW="8334632" imgH="1105208" progId="Excel.Sheet.8">
+                  <p:oleObj spid="_x0000_s2145" name="工作表" r:id="rId3" imgW="8334632" imgH="1105208" progId="Excel.Sheet.8">
                     <p:embed/>
                   </p:oleObj>
                 </mc:Choice>
@@ -13984,7 +13976,7 @@
             <a:graphicData uri="http://schemas.openxmlformats.org/presentationml/2006/ole">
               <mc:AlternateContent xmlns:mc="http://schemas.openxmlformats.org/markup-compatibility/2006">
                 <mc:Choice xmlns:v="urn:schemas-microsoft-com:vml" Requires="v">
-                  <p:oleObj spid="_x0000_s3168" name="工作表" r:id="rId4" imgW="8334632" imgH="1105208" progId="Excel.Sheet.8">
+                  <p:oleObj spid="_x0000_s3169" name="工作表" r:id="rId4" imgW="8334632" imgH="1105208" progId="Excel.Sheet.8">
                     <p:embed/>
                   </p:oleObj>
                 </mc:Choice>
@@ -15419,7 +15411,7 @@
             <a:graphicData uri="http://schemas.openxmlformats.org/presentationml/2006/ole">
               <mc:AlternateContent xmlns:mc="http://schemas.openxmlformats.org/markup-compatibility/2006">
                 <mc:Choice xmlns:v="urn:schemas-microsoft-com:vml" Requires="v">
-                  <p:oleObj spid="_x0000_s4192" name="工作表" r:id="rId4" imgW="8334632" imgH="1105208" progId="Excel.Sheet.8">
+                  <p:oleObj spid="_x0000_s4193" name="工作表" r:id="rId4" imgW="8334632" imgH="1105208" progId="Excel.Sheet.8">
                     <p:embed/>
                   </p:oleObj>
                 </mc:Choice>

--- a/notes/03-floats-cont.pptx
+++ b/notes/03-floats-cont.pptx
@@ -216,7 +216,7 @@
           <a:p>
             <a:fld id="{D21DBEA0-1188-45AF-8F1F-3D80AA75320D}" type="datetimeFigureOut">
               <a:rPr lang="en-US" smtClean="0"/>
-              <a:t>9/23/2020</a:t>
+              <a:t>9/30/2020</a:t>
             </a:fld>
             <a:endParaRPr lang="en-US"/>
           </a:p>
@@ -1323,7 +1323,7 @@
           <a:p>
             <a:fld id="{E82F7EF2-3E36-4E16-9B00-4C80AEAC65ED}" type="datetimeFigureOut">
               <a:rPr lang="en-US" smtClean="0"/>
-              <a:t>9/23/2020</a:t>
+              <a:t>9/30/2020</a:t>
             </a:fld>
             <a:endParaRPr lang="en-US"/>
           </a:p>
@@ -1521,7 +1521,7 @@
           <a:p>
             <a:fld id="{E82F7EF2-3E36-4E16-9B00-4C80AEAC65ED}" type="datetimeFigureOut">
               <a:rPr lang="en-US" smtClean="0"/>
-              <a:t>9/23/2020</a:t>
+              <a:t>9/30/2020</a:t>
             </a:fld>
             <a:endParaRPr lang="en-US"/>
           </a:p>
@@ -1729,7 +1729,7 @@
           <a:p>
             <a:fld id="{E82F7EF2-3E36-4E16-9B00-4C80AEAC65ED}" type="datetimeFigureOut">
               <a:rPr lang="en-US" smtClean="0"/>
-              <a:t>9/23/2020</a:t>
+              <a:t>9/30/2020</a:t>
             </a:fld>
             <a:endParaRPr lang="en-US"/>
           </a:p>
@@ -1939,7 +1939,7 @@
           <a:p>
             <a:fld id="{E82F7EF2-3E36-4E16-9B00-4C80AEAC65ED}" type="datetimeFigureOut">
               <a:rPr lang="en-US" smtClean="0"/>
-              <a:t>9/23/2020</a:t>
+              <a:t>9/30/2020</a:t>
             </a:fld>
             <a:endParaRPr lang="en-US"/>
           </a:p>
@@ -2216,7 +2216,7 @@
           <a:p>
             <a:fld id="{E82F7EF2-3E36-4E16-9B00-4C80AEAC65ED}" type="datetimeFigureOut">
               <a:rPr lang="en-US" smtClean="0"/>
-              <a:t>9/23/2020</a:t>
+              <a:t>9/30/2020</a:t>
             </a:fld>
             <a:endParaRPr lang="en-US"/>
           </a:p>
@@ -2487,7 +2487,7 @@
           <a:p>
             <a:fld id="{E82F7EF2-3E36-4E16-9B00-4C80AEAC65ED}" type="datetimeFigureOut">
               <a:rPr lang="en-US" smtClean="0"/>
-              <a:t>9/23/2020</a:t>
+              <a:t>9/30/2020</a:t>
             </a:fld>
             <a:endParaRPr lang="en-US"/>
           </a:p>
@@ -2899,7 +2899,7 @@
           <a:p>
             <a:fld id="{E82F7EF2-3E36-4E16-9B00-4C80AEAC65ED}" type="datetimeFigureOut">
               <a:rPr lang="en-US" smtClean="0"/>
-              <a:t>9/23/2020</a:t>
+              <a:t>9/30/2020</a:t>
             </a:fld>
             <a:endParaRPr lang="en-US"/>
           </a:p>
@@ -3040,7 +3040,7 @@
           <a:p>
             <a:fld id="{E82F7EF2-3E36-4E16-9B00-4C80AEAC65ED}" type="datetimeFigureOut">
               <a:rPr lang="en-US" smtClean="0"/>
-              <a:t>9/23/2020</a:t>
+              <a:t>9/30/2020</a:t>
             </a:fld>
             <a:endParaRPr lang="en-US"/>
           </a:p>
@@ -3153,7 +3153,7 @@
           <a:p>
             <a:fld id="{E82F7EF2-3E36-4E16-9B00-4C80AEAC65ED}" type="datetimeFigureOut">
               <a:rPr lang="en-US" smtClean="0"/>
-              <a:t>9/23/2020</a:t>
+              <a:t>9/30/2020</a:t>
             </a:fld>
             <a:endParaRPr lang="en-US"/>
           </a:p>
@@ -3464,7 +3464,7 @@
           <a:p>
             <a:fld id="{E82F7EF2-3E36-4E16-9B00-4C80AEAC65ED}" type="datetimeFigureOut">
               <a:rPr lang="en-US" smtClean="0"/>
-              <a:t>9/23/2020</a:t>
+              <a:t>9/30/2020</a:t>
             </a:fld>
             <a:endParaRPr lang="en-US"/>
           </a:p>
@@ -3752,7 +3752,7 @@
           <a:p>
             <a:fld id="{E82F7EF2-3E36-4E16-9B00-4C80AEAC65ED}" type="datetimeFigureOut">
               <a:rPr lang="en-US" smtClean="0"/>
-              <a:t>9/23/2020</a:t>
+              <a:t>9/30/2020</a:t>
             </a:fld>
             <a:endParaRPr lang="en-US"/>
           </a:p>
@@ -3993,7 +3993,7 @@
           <a:p>
             <a:fld id="{E82F7EF2-3E36-4E16-9B00-4C80AEAC65ED}" type="datetimeFigureOut">
               <a:rPr lang="en-US" smtClean="0"/>
-              <a:t>9/23/2020</a:t>
+              <a:t>9/30/2020</a:t>
             </a:fld>
             <a:endParaRPr lang="en-US"/>
           </a:p>
@@ -11634,7 +11634,7 @@
           <a:graphicData uri="http://schemas.openxmlformats.org/presentationml/2006/ole">
             <mc:AlternateContent xmlns:mc="http://schemas.openxmlformats.org/markup-compatibility/2006">
               <mc:Choice xmlns:v="urn:schemas-microsoft-com:vml" Requires="v">
-                <p:oleObj spid="_x0000_s1121" name="Worksheet" r:id="rId4" imgW="8334632" imgH="1095839" progId="Excel.Sheet.8">
+                <p:oleObj spid="_x0000_s1122" name="Worksheet" r:id="rId4" imgW="8334632" imgH="1095839" progId="Excel.Sheet.8">
                   <p:embed/>
                 </p:oleObj>
               </mc:Choice>
@@ -11677,14 +11677,14 @@
                       <a:effectLst/>
                       <a:extLst>
                         <a:ext uri="{909E8E84-426E-40dd-AFC4-6F175D3DCCD1}">
-                          <a14:hiddenFill xmlns:a14="http://schemas.microsoft.com/office/drawing/2010/main" xmlns="">
+                          <a14:hiddenFill xmlns="" xmlns:a14="http://schemas.microsoft.com/office/drawing/2010/main">
                             <a:solidFill>
                               <a:schemeClr val="bg1"/>
                             </a:solidFill>
                           </a14:hiddenFill>
                         </a:ext>
                         <a:ext uri="{91240B29-F687-4f45-9708-019B960494DF}">
-                          <a14:hiddenLine xmlns:a14="http://schemas.microsoft.com/office/drawing/2010/main" xmlns="" w="25400">
+                          <a14:hiddenLine xmlns="" xmlns:a14="http://schemas.microsoft.com/office/drawing/2010/main" w="25400">
                             <a:solidFill>
                               <a:schemeClr val="tx1"/>
                             </a:solidFill>
@@ -11694,7 +11694,7 @@
                           </a14:hiddenLine>
                         </a:ext>
                         <a:ext uri="{AF507438-7753-43e0-B8FC-AC1667EBCBE1}">
-                          <a14:hiddenEffects xmlns:a14="http://schemas.microsoft.com/office/drawing/2010/main" xmlns="">
+                          <a14:hiddenEffects xmlns="" xmlns:a14="http://schemas.microsoft.com/office/drawing/2010/main">
                             <a:effectLst>
                               <a:outerShdw blurRad="63500" dist="38099" dir="2700000" algn="ctr" rotWithShape="0">
                                 <a:schemeClr val="bg2">
@@ -12683,7 +12683,7 @@
             <a:graphicData uri="http://schemas.openxmlformats.org/presentationml/2006/ole">
               <mc:AlternateContent xmlns:mc="http://schemas.openxmlformats.org/markup-compatibility/2006">
                 <mc:Choice xmlns:v="urn:schemas-microsoft-com:vml" Requires="v">
-                  <p:oleObj spid="_x0000_s2145" name="工作表" r:id="rId3" imgW="8334632" imgH="1105208" progId="Excel.Sheet.8">
+                  <p:oleObj spid="_x0000_s2146" name="工作表" r:id="rId3" imgW="8334632" imgH="1105208" progId="Excel.Sheet.8">
                     <p:embed/>
                   </p:oleObj>
                 </mc:Choice>
@@ -12726,14 +12726,14 @@
                         <a:effectLst/>
                         <a:extLst>
                           <a:ext uri="{909E8E84-426E-40dd-AFC4-6F175D3DCCD1}">
-                            <a14:hiddenFill xmlns:a14="http://schemas.microsoft.com/office/drawing/2010/main" xmlns="">
+                            <a14:hiddenFill xmlns="" xmlns:a14="http://schemas.microsoft.com/office/drawing/2010/main">
                               <a:solidFill>
                                 <a:schemeClr val="bg1"/>
                               </a:solidFill>
                             </a14:hiddenFill>
                           </a:ext>
                           <a:ext uri="{91240B29-F687-4f45-9708-019B960494DF}">
-                            <a14:hiddenLine xmlns:a14="http://schemas.microsoft.com/office/drawing/2010/main" xmlns="" w="25400">
+                            <a14:hiddenLine xmlns="" xmlns:a14="http://schemas.microsoft.com/office/drawing/2010/main" w="25400">
                               <a:solidFill>
                                 <a:schemeClr val="tx1"/>
                               </a:solidFill>
@@ -12743,7 +12743,7 @@
                             </a14:hiddenLine>
                           </a:ext>
                           <a:ext uri="{AF507438-7753-43e0-B8FC-AC1667EBCBE1}">
-                            <a14:hiddenEffects xmlns:a14="http://schemas.microsoft.com/office/drawing/2010/main" xmlns="">
+                            <a14:hiddenEffects xmlns="" xmlns:a14="http://schemas.microsoft.com/office/drawing/2010/main">
                               <a:effectLst>
                                 <a:outerShdw blurRad="63500" dist="38099" dir="2700000" algn="ctr" rotWithShape="0">
                                   <a:schemeClr val="bg2">
@@ -13976,7 +13976,7 @@
             <a:graphicData uri="http://schemas.openxmlformats.org/presentationml/2006/ole">
               <mc:AlternateContent xmlns:mc="http://schemas.openxmlformats.org/markup-compatibility/2006">
                 <mc:Choice xmlns:v="urn:schemas-microsoft-com:vml" Requires="v">
-                  <p:oleObj spid="_x0000_s3169" name="工作表" r:id="rId4" imgW="8334632" imgH="1105208" progId="Excel.Sheet.8">
+                  <p:oleObj spid="_x0000_s3170" name="工作表" r:id="rId4" imgW="8334632" imgH="1105208" progId="Excel.Sheet.8">
                     <p:embed/>
                   </p:oleObj>
                 </mc:Choice>
@@ -14019,14 +14019,14 @@
                         <a:effectLst/>
                         <a:extLst>
                           <a:ext uri="{909E8E84-426E-40dd-AFC4-6F175D3DCCD1}">
-                            <a14:hiddenFill xmlns:a14="http://schemas.microsoft.com/office/drawing/2010/main" xmlns="">
+                            <a14:hiddenFill xmlns="" xmlns:a14="http://schemas.microsoft.com/office/drawing/2010/main">
                               <a:solidFill>
                                 <a:schemeClr val="bg1"/>
                               </a:solidFill>
                             </a14:hiddenFill>
                           </a:ext>
                           <a:ext uri="{91240B29-F687-4f45-9708-019B960494DF}">
-                            <a14:hiddenLine xmlns:a14="http://schemas.microsoft.com/office/drawing/2010/main" xmlns="" w="25400">
+                            <a14:hiddenLine xmlns="" xmlns:a14="http://schemas.microsoft.com/office/drawing/2010/main" w="25400">
                               <a:solidFill>
                                 <a:schemeClr val="tx1"/>
                               </a:solidFill>
@@ -14036,7 +14036,7 @@
                             </a14:hiddenLine>
                           </a:ext>
                           <a:ext uri="{AF507438-7753-43e0-B8FC-AC1667EBCBE1}">
-                            <a14:hiddenEffects xmlns:a14="http://schemas.microsoft.com/office/drawing/2010/main" xmlns="">
+                            <a14:hiddenEffects xmlns="" xmlns:a14="http://schemas.microsoft.com/office/drawing/2010/main">
                               <a:effectLst>
                                 <a:outerShdw blurRad="63500" dist="38099" dir="2700000" algn="ctr" rotWithShape="0">
                                   <a:schemeClr val="bg2">
@@ -15411,7 +15411,7 @@
             <a:graphicData uri="http://schemas.openxmlformats.org/presentationml/2006/ole">
               <mc:AlternateContent xmlns:mc="http://schemas.openxmlformats.org/markup-compatibility/2006">
                 <mc:Choice xmlns:v="urn:schemas-microsoft-com:vml" Requires="v">
-                  <p:oleObj spid="_x0000_s4193" name="工作表" r:id="rId4" imgW="8334632" imgH="1105208" progId="Excel.Sheet.8">
+                  <p:oleObj spid="_x0000_s4194" name="工作表" r:id="rId4" imgW="8334632" imgH="1105208" progId="Excel.Sheet.8">
                     <p:embed/>
                   </p:oleObj>
                 </mc:Choice>
@@ -15454,14 +15454,14 @@
                         <a:effectLst/>
                         <a:extLst>
                           <a:ext uri="{909E8E84-426E-40dd-AFC4-6F175D3DCCD1}">
-                            <a14:hiddenFill xmlns:a14="http://schemas.microsoft.com/office/drawing/2010/main" xmlns="">
+                            <a14:hiddenFill xmlns="" xmlns:a14="http://schemas.microsoft.com/office/drawing/2010/main">
                               <a:solidFill>
                                 <a:schemeClr val="bg1"/>
                               </a:solidFill>
                             </a14:hiddenFill>
                           </a:ext>
                           <a:ext uri="{91240B29-F687-4f45-9708-019B960494DF}">
-                            <a14:hiddenLine xmlns:a14="http://schemas.microsoft.com/office/drawing/2010/main" xmlns="" w="25400">
+                            <a14:hiddenLine xmlns="" xmlns:a14="http://schemas.microsoft.com/office/drawing/2010/main" w="25400">
                               <a:solidFill>
                                 <a:schemeClr val="tx1"/>
                               </a:solidFill>
@@ -15471,7 +15471,7 @@
                             </a14:hiddenLine>
                           </a:ext>
                           <a:ext uri="{AF507438-7753-43e0-B8FC-AC1667EBCBE1}">
-                            <a14:hiddenEffects xmlns:a14="http://schemas.microsoft.com/office/drawing/2010/main" xmlns="">
+                            <a14:hiddenEffects xmlns="" xmlns:a14="http://schemas.microsoft.com/office/drawing/2010/main">
                               <a:effectLst>
                                 <a:outerShdw blurRad="63500" dist="38099" dir="2700000" algn="ctr" rotWithShape="0">
                                   <a:schemeClr val="bg2">
@@ -19265,6 +19265,12 @@
 </file>
 
 <file path=customXml/item2.xml><?xml version="1.0" encoding="utf-8"?>
+<p:properties xmlns:p="http://schemas.microsoft.com/office/2006/metadata/properties" xmlns:xsi="http://www.w3.org/2001/XMLSchema-instance" xmlns:pc="http://schemas.microsoft.com/office/infopath/2007/PartnerControls">
+  <documentManagement/>
+</p:properties>
+</file>
+
+<file path=customXml/item3.xml><?xml version="1.0" encoding="utf-8"?>
 <ct:contentTypeSchema xmlns:ct="http://schemas.microsoft.com/office/2006/metadata/contentType" xmlns:ma="http://schemas.microsoft.com/office/2006/metadata/properties/metaAttributes" ct:_="" ma:_="" ma:contentTypeName="Document" ma:contentTypeID="0x010100F230F55FC4E86843A38ABC983CBD33D2" ma:contentTypeVersion="2" ma:contentTypeDescription="Create a new document." ma:contentTypeScope="" ma:versionID="ea51d48ed41b66d32eb63de817eecbcd">
   <xsd:schema xmlns:xsd="http://www.w3.org/2001/XMLSchema" xmlns:xs="http://www.w3.org/2001/XMLSchema" xmlns:p="http://schemas.microsoft.com/office/2006/metadata/properties" xmlns:ns3="74d6482f-e53c-4fa7-ac87-951f9f66bd4c" targetNamespace="http://schemas.microsoft.com/office/2006/metadata/properties" ma:root="true" ma:fieldsID="128b5480a780b9585a060f8329b1fff7" ns3:_="">
     <xsd:import namespace="74d6482f-e53c-4fa7-ac87-951f9f66bd4c"/>
@@ -19396,12 +19402,6 @@
 </ct:contentTypeSchema>
 </file>
 
-<file path=customXml/item3.xml><?xml version="1.0" encoding="utf-8"?>
-<p:properties xmlns:p="http://schemas.microsoft.com/office/2006/metadata/properties" xmlns:xsi="http://www.w3.org/2001/XMLSchema-instance" xmlns:pc="http://schemas.microsoft.com/office/infopath/2007/PartnerControls">
-  <documentManagement/>
-</p:properties>
-</file>
-
 <file path=customXml/itemProps1.xml><?xml version="1.0" encoding="utf-8"?>
 <ds:datastoreItem xmlns:ds="http://schemas.openxmlformats.org/officeDocument/2006/customXml" ds:itemID="{133809AF-CC72-4698-8309-4381F3E1873D}">
   <ds:schemaRefs>
@@ -19411,6 +19411,22 @@
 </file>
 
 <file path=customXml/itemProps2.xml><?xml version="1.0" encoding="utf-8"?>
+<ds:datastoreItem xmlns:ds="http://schemas.openxmlformats.org/officeDocument/2006/customXml" ds:itemID="{DC9111C0-85A8-4495-82EC-70EDD5EB4C23}">
+  <ds:schemaRefs>
+    <ds:schemaRef ds:uri="http://www.w3.org/XML/1998/namespace"/>
+    <ds:schemaRef ds:uri="http://purl.org/dc/elements/1.1/"/>
+    <ds:schemaRef ds:uri="http://schemas.microsoft.com/office/infopath/2007/PartnerControls"/>
+    <ds:schemaRef ds:uri="http://schemas.microsoft.com/office/2006/metadata/properties"/>
+    <ds:schemaRef ds:uri="74d6482f-e53c-4fa7-ac87-951f9f66bd4c"/>
+    <ds:schemaRef ds:uri="http://schemas.microsoft.com/office/2006/documentManagement/types"/>
+    <ds:schemaRef ds:uri="http://purl.org/dc/terms/"/>
+    <ds:schemaRef ds:uri="http://schemas.openxmlformats.org/package/2006/metadata/core-properties"/>
+    <ds:schemaRef ds:uri="http://purl.org/dc/dcmitype/"/>
+  </ds:schemaRefs>
+</ds:datastoreItem>
+</file>
+
+<file path=customXml/itemProps3.xml><?xml version="1.0" encoding="utf-8"?>
 <ds:datastoreItem xmlns:ds="http://schemas.openxmlformats.org/officeDocument/2006/customXml" ds:itemID="{8FCFD7E0-F805-4B38-AE32-2A25BEADD1EF}">
   <ds:schemaRefs>
     <ds:schemaRef ds:uri="http://schemas.microsoft.com/office/2006/metadata/contentType"/>
@@ -19426,20 +19442,4 @@
     <ds:schemaRef ds:uri="http://schemas.microsoft.com/internal/obd"/>
   </ds:schemaRefs>
 </ds:datastoreItem>
-</file>
-
-<file path=customXml/itemProps3.xml><?xml version="1.0" encoding="utf-8"?>
-<ds:datastoreItem xmlns:ds="http://schemas.openxmlformats.org/officeDocument/2006/customXml" ds:itemID="{DC9111C0-85A8-4495-82EC-70EDD5EB4C23}">
-  <ds:schemaRefs>
-    <ds:schemaRef ds:uri="http://www.w3.org/XML/1998/namespace"/>
-    <ds:schemaRef ds:uri="http://purl.org/dc/elements/1.1/"/>
-    <ds:schemaRef ds:uri="http://schemas.microsoft.com/office/infopath/2007/PartnerControls"/>
-    <ds:schemaRef ds:uri="http://schemas.microsoft.com/office/2006/metadata/properties"/>
-    <ds:schemaRef ds:uri="74d6482f-e53c-4fa7-ac87-951f9f66bd4c"/>
-    <ds:schemaRef ds:uri="http://schemas.microsoft.com/office/2006/documentManagement/types"/>
-    <ds:schemaRef ds:uri="http://purl.org/dc/terms/"/>
-    <ds:schemaRef ds:uri="http://schemas.openxmlformats.org/package/2006/metadata/core-properties"/>
-    <ds:schemaRef ds:uri="http://purl.org/dc/dcmitype/"/>
-  </ds:schemaRefs>
-</ds:datastoreItem>
 </file>